--- a/python_ppt/Python 9장. 데이터베이스 연동.pptx
+++ b/python_ppt/Python 9장. 데이터베이스 연동.pptx
@@ -5,7 +5,7 @@
     <p:sldMasterId id="2147483648" r:id="rId1"/>
   </p:sldMasterIdLst>
   <p:notesMasterIdLst>
-    <p:notesMasterId r:id="rId30"/>
+    <p:notesMasterId r:id="rId34"/>
   </p:notesMasterIdLst>
   <p:sldIdLst>
     <p:sldId id="256" r:id="rId2"/>
@@ -36,6 +36,10 @@
     <p:sldId id="415" r:id="rId27"/>
     <p:sldId id="416" r:id="rId28"/>
     <p:sldId id="418" r:id="rId29"/>
+    <p:sldId id="419" r:id="rId30"/>
+    <p:sldId id="420" r:id="rId31"/>
+    <p:sldId id="421" r:id="rId32"/>
+    <p:sldId id="422" r:id="rId33"/>
   </p:sldIdLst>
   <p:sldSz cx="9906000" cy="6858000" type="A4"/>
   <p:notesSz cx="6858000" cy="9144000"/>
@@ -235,7 +239,7 @@
           <a:p>
             <a:fld id="{7665CDAC-D627-4E87-877A-1B781DD4CADC}" type="datetimeFigureOut">
               <a:rPr lang="ko-KR" altLang="en-US" smtClean="0"/>
-              <a:t>2023-04-27</a:t>
+              <a:t>2023-04-29</a:t>
             </a:fld>
             <a:endParaRPr lang="ko-KR" altLang="en-US"/>
           </a:p>
@@ -647,7 +651,7 @@
           <a:p>
             <a:fld id="{C25BCFD5-C4DF-4EBC-B718-C69ED2FBDE6F}" type="datetime1">
               <a:rPr lang="ko-KR" altLang="en-US" smtClean="0"/>
-              <a:t>2023-04-27</a:t>
+              <a:t>2023-04-29</a:t>
             </a:fld>
             <a:endParaRPr lang="ko-KR" altLang="en-US"/>
           </a:p>
@@ -1098,7 +1102,7 @@
           <a:p>
             <a:fld id="{AB448CD7-D367-43D5-B461-ACE552E75063}" type="datetime1">
               <a:rPr lang="ko-KR" altLang="en-US" smtClean="0"/>
-              <a:t>2023-04-27</a:t>
+              <a:t>2023-04-29</a:t>
             </a:fld>
             <a:endParaRPr lang="ko-KR" altLang="en-US"/>
           </a:p>
@@ -1276,7 +1280,7 @@
           <a:p>
             <a:fld id="{B6E49E79-7361-4780-8BEF-7EDE3708298A}" type="datetime1">
               <a:rPr lang="ko-KR" altLang="en-US" smtClean="0"/>
-              <a:t>2023-04-27</a:t>
+              <a:t>2023-04-29</a:t>
             </a:fld>
             <a:endParaRPr lang="ko-KR" altLang="en-US"/>
           </a:p>
@@ -1448,7 +1452,7 @@
           <a:p>
             <a:fld id="{A4D42E3C-B70B-437C-85CF-1286301B9CBA}" type="datetime1">
               <a:rPr lang="ko-KR" altLang="en-US" smtClean="0"/>
-              <a:t>2023-04-27</a:t>
+              <a:t>2023-04-29</a:t>
             </a:fld>
             <a:endParaRPr lang="ko-KR" altLang="en-US"/>
           </a:p>
@@ -1700,7 +1704,7 @@
           <a:p>
             <a:fld id="{B3369A20-5B3D-4D98-A822-26B93D177A40}" type="datetime1">
               <a:rPr lang="ko-KR" altLang="en-US" smtClean="0"/>
-              <a:t>2023-04-27</a:t>
+              <a:t>2023-04-29</a:t>
             </a:fld>
             <a:endParaRPr lang="ko-KR" altLang="en-US"/>
           </a:p>
@@ -1985,7 +1989,7 @@
           <a:p>
             <a:fld id="{685CD4CE-9E43-4F70-A9D8-A2130CA7D92A}" type="datetime1">
               <a:rPr lang="ko-KR" altLang="en-US" smtClean="0"/>
-              <a:t>2023-04-27</a:t>
+              <a:t>2023-04-29</a:t>
             </a:fld>
             <a:endParaRPr lang="ko-KR" altLang="en-US"/>
           </a:p>
@@ -2411,7 +2415,7 @@
           <a:p>
             <a:fld id="{F752BD92-DA3E-4A0B-90C9-7DE5E15B6E96}" type="datetime1">
               <a:rPr lang="ko-KR" altLang="en-US" smtClean="0"/>
-              <a:t>2023-04-27</a:t>
+              <a:t>2023-04-29</a:t>
             </a:fld>
             <a:endParaRPr lang="ko-KR" altLang="en-US"/>
           </a:p>
@@ -2535,7 +2539,7 @@
           <a:p>
             <a:fld id="{8EA2B83A-F366-424E-B742-340ACF856BB5}" type="datetime1">
               <a:rPr lang="ko-KR" altLang="en-US" smtClean="0"/>
-              <a:t>2023-04-27</a:t>
+              <a:t>2023-04-29</a:t>
             </a:fld>
             <a:endParaRPr lang="ko-KR" altLang="en-US"/>
           </a:p>
@@ -2630,7 +2634,7 @@
           <a:p>
             <a:fld id="{9A49D68B-5DBD-48E9-A8D4-FCBC4B3DD9C6}" type="datetime1">
               <a:rPr lang="ko-KR" altLang="en-US" smtClean="0"/>
-              <a:t>2023-04-27</a:t>
+              <a:t>2023-04-29</a:t>
             </a:fld>
             <a:endParaRPr lang="ko-KR" altLang="en-US"/>
           </a:p>
@@ -2905,7 +2909,7 @@
           <a:p>
             <a:fld id="{4CAB534F-7D16-467B-9320-91F98915D181}" type="datetime1">
               <a:rPr lang="ko-KR" altLang="en-US" smtClean="0"/>
-              <a:t>2023-04-27</a:t>
+              <a:t>2023-04-29</a:t>
             </a:fld>
             <a:endParaRPr lang="ko-KR" altLang="en-US"/>
           </a:p>
@@ -3157,7 +3161,7 @@
           <a:p>
             <a:fld id="{A390A91F-2F8D-4486-A69D-D680F95444B0}" type="datetime1">
               <a:rPr lang="ko-KR" altLang="en-US" smtClean="0"/>
-              <a:t>2023-04-27</a:t>
+              <a:t>2023-04-29</a:t>
             </a:fld>
             <a:endParaRPr lang="ko-KR" altLang="en-US"/>
           </a:p>
@@ -3336,7 +3340,7 @@
           <a:p>
             <a:fld id="{2238BBEA-E8DD-414A-BF68-FC2AFA7CFF2D}" type="datetime1">
               <a:rPr lang="ko-KR" altLang="en-US" smtClean="0"/>
-              <a:t>2023-04-27</a:t>
+              <a:t>2023-04-29</a:t>
             </a:fld>
             <a:endParaRPr lang="ko-KR" altLang="en-US"/>
           </a:p>
@@ -8608,7 +8612,6 @@
               <a:rPr lang="en-US" altLang="ko-KR" sz="2000" b="1" dirty="0" smtClean="0"/>
               <a:t>DB Browser for SQLite3</a:t>
             </a:r>
-            <a:endParaRPr lang="en-US" altLang="ko-KR" sz="2000" b="1" dirty="0" smtClean="0"/>
           </a:p>
         </p:txBody>
       </p:sp>
@@ -9467,11 +9470,7 @@
             </a:r>
             <a:r>
               <a:rPr lang="ko-KR" altLang="en-US" sz="2000" b="1" dirty="0" smtClean="0"/>
-              <a:t>책 정보 </a:t>
-            </a:r>
-            <a:r>
-              <a:rPr lang="ko-KR" altLang="en-US" sz="2000" b="1" dirty="0" smtClean="0"/>
-              <a:t>변경 하기</a:t>
+              <a:t>책 정보 변경 하기</a:t>
             </a:r>
             <a:endParaRPr lang="en-US" altLang="ko-KR" sz="2000" b="1" dirty="0" smtClean="0"/>
           </a:p>
@@ -9684,11 +9683,7 @@
             </a:r>
             <a:r>
               <a:rPr lang="ko-KR" altLang="en-US" sz="2000" b="1" dirty="0" smtClean="0"/>
-              <a:t>책 정보 </a:t>
-            </a:r>
-            <a:r>
-              <a:rPr lang="ko-KR" altLang="en-US" sz="2000" b="1" dirty="0" smtClean="0"/>
-              <a:t>삭제 하기</a:t>
+              <a:t>책 정보 삭제 하기</a:t>
             </a:r>
             <a:endParaRPr lang="en-US" altLang="ko-KR" sz="2000" b="1" dirty="0" smtClean="0"/>
           </a:p>
@@ -9735,6 +9730,281 @@
     <p:extLst>
       <p:ext uri="{BB962C8B-B14F-4D97-AF65-F5344CB8AC3E}">
         <p14:creationId xmlns:p14="http://schemas.microsoft.com/office/powerpoint/2010/main" val="2770081421"/>
+      </p:ext>
+    </p:extLst>
+  </p:cSld>
+  <p:clrMapOvr>
+    <a:masterClrMapping/>
+  </p:clrMapOvr>
+  <p:timing>
+    <p:tnLst>
+      <p:par>
+        <p:cTn id="1" dur="indefinite" restart="never" nodeType="tmRoot"/>
+      </p:par>
+    </p:tnLst>
+  </p:timing>
+</p:sld>
+</file>
+
+<file path=ppt/slides/slide29.xml><?xml version="1.0" encoding="utf-8"?>
+<p:sld xmlns:a="http://schemas.openxmlformats.org/drawingml/2006/main" xmlns:r="http://schemas.openxmlformats.org/officeDocument/2006/relationships" xmlns:p="http://schemas.openxmlformats.org/presentationml/2006/main">
+  <p:cSld>
+    <p:spTree>
+      <p:nvGrpSpPr>
+        <p:cNvPr id="1" name=""/>
+        <p:cNvGrpSpPr/>
+        <p:nvPr/>
+      </p:nvGrpSpPr>
+      <p:grpSpPr>
+        <a:xfrm>
+          <a:off x="0" y="0"/>
+          <a:ext cx="0" cy="0"/>
+          <a:chOff x="0" y="0"/>
+          <a:chExt cx="0" cy="0"/>
+        </a:xfrm>
+      </p:grpSpPr>
+      <p:sp>
+        <p:nvSpPr>
+          <p:cNvPr id="2" name="제목 1"/>
+          <p:cNvSpPr>
+            <a:spLocks noGrp="1"/>
+          </p:cNvSpPr>
+          <p:nvPr>
+            <p:ph type="title"/>
+          </p:nvPr>
+        </p:nvSpPr>
+        <p:spPr/>
+        <p:txBody>
+          <a:bodyPr/>
+          <a:lstStyle/>
+          <a:p>
+            <a:r>
+              <a:rPr lang="en-US" altLang="ko-KR" dirty="0" smtClean="0"/>
+              <a:t> </a:t>
+            </a:r>
+            <a:r>
+              <a:rPr lang="ko-KR" altLang="en-US" dirty="0" err="1" smtClean="0"/>
+              <a:t>오라클</a:t>
+            </a:r>
+            <a:r>
+              <a:rPr lang="ko-KR" altLang="en-US" dirty="0" smtClean="0"/>
+              <a:t> 연동</a:t>
+            </a:r>
+            <a:endParaRPr lang="ko-KR" altLang="en-US" dirty="0"/>
+          </a:p>
+        </p:txBody>
+      </p:sp>
+      <p:sp>
+        <p:nvSpPr>
+          <p:cNvPr id="4" name="슬라이드 번호 개체 틀 3"/>
+          <p:cNvSpPr>
+            <a:spLocks noGrp="1"/>
+          </p:cNvSpPr>
+          <p:nvPr>
+            <p:ph type="sldNum" sz="quarter" idx="12"/>
+          </p:nvPr>
+        </p:nvSpPr>
+        <p:spPr/>
+        <p:txBody>
+          <a:bodyPr/>
+          <a:lstStyle/>
+          <a:p>
+            <a:fld id="{1BDE3FE7-3AEA-4B05-AC5A-802D1816ACF0}" type="slidenum">
+              <a:rPr lang="ko-KR" altLang="en-US" smtClean="0"/>
+              <a:t>29</a:t>
+            </a:fld>
+            <a:endParaRPr lang="ko-KR" altLang="en-US"/>
+          </a:p>
+        </p:txBody>
+      </p:sp>
+      <p:sp>
+        <p:nvSpPr>
+          <p:cNvPr id="3" name="TextBox 2"/>
+          <p:cNvSpPr txBox="1"/>
+          <p:nvPr/>
+        </p:nvSpPr>
+        <p:spPr>
+          <a:xfrm>
+            <a:off x="1280592" y="1700808"/>
+            <a:ext cx="5256584" cy="369332"/>
+          </a:xfrm>
+          <a:prstGeom prst="rect">
+            <a:avLst/>
+          </a:prstGeom>
+          <a:noFill/>
+        </p:spPr>
+        <p:txBody>
+          <a:bodyPr wrap="square" rtlCol="0">
+            <a:spAutoFit/>
+          </a:bodyPr>
+          <a:lstStyle/>
+          <a:p>
+            <a:r>
+              <a:rPr lang="en-US" altLang="ko-KR" dirty="0" smtClean="0"/>
+              <a:t> python </a:t>
+            </a:r>
+            <a:r>
+              <a:rPr lang="en-US" altLang="ko-KR" dirty="0"/>
+              <a:t>-m pip install </a:t>
+            </a:r>
+            <a:r>
+              <a:rPr lang="en-US" altLang="ko-KR" dirty="0" err="1"/>
+              <a:t>cx_Oracle</a:t>
+            </a:r>
+            <a:r>
+              <a:rPr lang="en-US" altLang="ko-KR" dirty="0"/>
+              <a:t> --upgrade</a:t>
+            </a:r>
+            <a:endParaRPr lang="ko-KR" altLang="en-US" dirty="0"/>
+          </a:p>
+        </p:txBody>
+      </p:sp>
+      <p:sp>
+        <p:nvSpPr>
+          <p:cNvPr id="5" name="TextBox 4"/>
+          <p:cNvSpPr txBox="1"/>
+          <p:nvPr/>
+        </p:nvSpPr>
+        <p:spPr>
+          <a:xfrm>
+            <a:off x="1064568" y="1196752"/>
+            <a:ext cx="4320480" cy="369332"/>
+          </a:xfrm>
+          <a:prstGeom prst="rect">
+            <a:avLst/>
+          </a:prstGeom>
+          <a:noFill/>
+        </p:spPr>
+        <p:txBody>
+          <a:bodyPr wrap="square" rtlCol="0">
+            <a:spAutoFit/>
+          </a:bodyPr>
+          <a:lstStyle/>
+          <a:p>
+            <a:r>
+              <a:rPr lang="en-US" altLang="ko-KR" dirty="0" smtClean="0"/>
+              <a:t>1. </a:t>
+            </a:r>
+            <a:r>
+              <a:rPr lang="en-US" altLang="ko-KR" dirty="0" err="1" smtClean="0"/>
+              <a:t>cx_Oracle</a:t>
+            </a:r>
+            <a:r>
+              <a:rPr lang="ko-KR" altLang="en-US" dirty="0" smtClean="0"/>
+              <a:t> 라이브러리 설치</a:t>
+            </a:r>
+            <a:endParaRPr lang="ko-KR" altLang="en-US" dirty="0"/>
+          </a:p>
+        </p:txBody>
+      </p:sp>
+      <p:pic>
+        <p:nvPicPr>
+          <p:cNvPr id="6" name="그림 5"/>
+          <p:cNvPicPr>
+            <a:picLocks noChangeAspect="1"/>
+          </p:cNvPicPr>
+          <p:nvPr/>
+        </p:nvPicPr>
+        <p:blipFill>
+          <a:blip r:embed="rId2">
+            <a:extLst>
+              <a:ext uri="{28A0092B-C50C-407E-A947-70E740481C1C}">
+                <a14:useLocalDpi xmlns:a14="http://schemas.microsoft.com/office/drawing/2010/main" val="0"/>
+              </a:ext>
+            </a:extLst>
+          </a:blip>
+          <a:stretch>
+            <a:fillRect/>
+          </a:stretch>
+        </p:blipFill>
+        <p:spPr>
+          <a:xfrm>
+            <a:off x="1551998" y="2806842"/>
+            <a:ext cx="5417226" cy="3842716"/>
+          </a:xfrm>
+          <a:prstGeom prst="rect">
+            <a:avLst/>
+          </a:prstGeom>
+        </p:spPr>
+      </p:pic>
+      <p:sp>
+        <p:nvSpPr>
+          <p:cNvPr id="10" name="TextBox 9"/>
+          <p:cNvSpPr txBox="1"/>
+          <p:nvPr/>
+        </p:nvSpPr>
+        <p:spPr>
+          <a:xfrm>
+            <a:off x="1064567" y="2293494"/>
+            <a:ext cx="6912769" cy="369332"/>
+          </a:xfrm>
+          <a:prstGeom prst="rect">
+            <a:avLst/>
+          </a:prstGeom>
+          <a:noFill/>
+        </p:spPr>
+        <p:txBody>
+          <a:bodyPr wrap="square" rtlCol="0">
+            <a:spAutoFit/>
+          </a:bodyPr>
+          <a:lstStyle/>
+          <a:p>
+            <a:r>
+              <a:rPr lang="en-US" altLang="ko-KR" dirty="0"/>
+              <a:t>2</a:t>
+            </a:r>
+            <a:r>
+              <a:rPr lang="en-US" altLang="ko-KR" dirty="0" smtClean="0"/>
+              <a:t>. </a:t>
+            </a:r>
+            <a:r>
+              <a:rPr lang="ko-KR" altLang="en-US" dirty="0" err="1" smtClean="0"/>
+              <a:t>파이참</a:t>
+            </a:r>
+            <a:r>
+              <a:rPr lang="ko-KR" altLang="en-US" dirty="0" smtClean="0"/>
+              <a:t> </a:t>
+            </a:r>
+            <a:r>
+              <a:rPr lang="en-US" altLang="ko-KR" dirty="0" smtClean="0"/>
+              <a:t>&gt; </a:t>
+            </a:r>
+            <a:r>
+              <a:rPr lang="ko-KR" altLang="en-US" dirty="0" smtClean="0"/>
+              <a:t>인터프리터 설정 </a:t>
+            </a:r>
+            <a:r>
+              <a:rPr lang="en-US" altLang="ko-KR" dirty="0" smtClean="0"/>
+              <a:t>&gt; </a:t>
+            </a:r>
+            <a:r>
+              <a:rPr lang="ko-KR" altLang="en-US" dirty="0" smtClean="0"/>
+              <a:t>패키지</a:t>
+            </a:r>
+            <a:r>
+              <a:rPr lang="en-US" altLang="ko-KR" dirty="0" smtClean="0"/>
+              <a:t>: </a:t>
+            </a:r>
+            <a:r>
+              <a:rPr lang="en-US" altLang="ko-KR" dirty="0" err="1" smtClean="0"/>
+              <a:t>cx_Oracle</a:t>
+            </a:r>
+            <a:r>
+              <a:rPr lang="en-US" altLang="ko-KR" dirty="0" smtClean="0"/>
+              <a:t> </a:t>
+            </a:r>
+            <a:r>
+              <a:rPr lang="ko-KR" altLang="en-US" dirty="0" smtClean="0"/>
+              <a:t>설치</a:t>
+            </a:r>
+            <a:endParaRPr lang="ko-KR" altLang="en-US" dirty="0"/>
+          </a:p>
+        </p:txBody>
+      </p:sp>
+    </p:spTree>
+    <p:extLst>
+      <p:ext uri="{BB962C8B-B14F-4D97-AF65-F5344CB8AC3E}">
+        <p14:creationId xmlns:p14="http://schemas.microsoft.com/office/powerpoint/2010/main" val="21384894"/>
       </p:ext>
     </p:extLst>
   </p:cSld>
@@ -9981,6 +10251,514 @@
     <p:extLst>
       <p:ext uri="{BB962C8B-B14F-4D97-AF65-F5344CB8AC3E}">
         <p14:creationId xmlns:p14="http://schemas.microsoft.com/office/powerpoint/2010/main" val="4116358582"/>
+      </p:ext>
+    </p:extLst>
+  </p:cSld>
+  <p:clrMapOvr>
+    <a:masterClrMapping/>
+  </p:clrMapOvr>
+  <p:timing>
+    <p:tnLst>
+      <p:par>
+        <p:cTn id="1" dur="indefinite" restart="never" nodeType="tmRoot"/>
+      </p:par>
+    </p:tnLst>
+  </p:timing>
+</p:sld>
+</file>
+
+<file path=ppt/slides/slide30.xml><?xml version="1.0" encoding="utf-8"?>
+<p:sld xmlns:a="http://schemas.openxmlformats.org/drawingml/2006/main" xmlns:r="http://schemas.openxmlformats.org/officeDocument/2006/relationships" xmlns:p="http://schemas.openxmlformats.org/presentationml/2006/main">
+  <p:cSld>
+    <p:spTree>
+      <p:nvGrpSpPr>
+        <p:cNvPr id="1" name=""/>
+        <p:cNvGrpSpPr/>
+        <p:nvPr/>
+      </p:nvGrpSpPr>
+      <p:grpSpPr>
+        <a:xfrm>
+          <a:off x="0" y="0"/>
+          <a:ext cx="0" cy="0"/>
+          <a:chOff x="0" y="0"/>
+          <a:chExt cx="0" cy="0"/>
+        </a:xfrm>
+      </p:grpSpPr>
+      <p:sp>
+        <p:nvSpPr>
+          <p:cNvPr id="2" name="제목 1"/>
+          <p:cNvSpPr>
+            <a:spLocks noGrp="1"/>
+          </p:cNvSpPr>
+          <p:nvPr>
+            <p:ph type="title"/>
+          </p:nvPr>
+        </p:nvSpPr>
+        <p:spPr/>
+        <p:txBody>
+          <a:bodyPr/>
+          <a:lstStyle/>
+          <a:p>
+            <a:r>
+              <a:rPr lang="en-US" altLang="ko-KR" dirty="0" smtClean="0"/>
+              <a:t> </a:t>
+            </a:r>
+            <a:r>
+              <a:rPr lang="ko-KR" altLang="en-US" dirty="0" err="1" smtClean="0"/>
+              <a:t>오라클</a:t>
+            </a:r>
+            <a:r>
+              <a:rPr lang="ko-KR" altLang="en-US" dirty="0" smtClean="0"/>
+              <a:t> 연동</a:t>
+            </a:r>
+            <a:endParaRPr lang="ko-KR" altLang="en-US" dirty="0"/>
+          </a:p>
+        </p:txBody>
+      </p:sp>
+      <p:sp>
+        <p:nvSpPr>
+          <p:cNvPr id="4" name="슬라이드 번호 개체 틀 3"/>
+          <p:cNvSpPr>
+            <a:spLocks noGrp="1"/>
+          </p:cNvSpPr>
+          <p:nvPr>
+            <p:ph type="sldNum" sz="quarter" idx="12"/>
+          </p:nvPr>
+        </p:nvSpPr>
+        <p:spPr/>
+        <p:txBody>
+          <a:bodyPr/>
+          <a:lstStyle/>
+          <a:p>
+            <a:fld id="{1BDE3FE7-3AEA-4B05-AC5A-802D1816ACF0}" type="slidenum">
+              <a:rPr lang="ko-KR" altLang="en-US" smtClean="0"/>
+              <a:t>30</a:t>
+            </a:fld>
+            <a:endParaRPr lang="ko-KR" altLang="en-US"/>
+          </a:p>
+        </p:txBody>
+      </p:sp>
+      <p:pic>
+        <p:nvPicPr>
+          <p:cNvPr id="10" name="그림 9"/>
+          <p:cNvPicPr>
+            <a:picLocks noChangeAspect="1"/>
+          </p:cNvPicPr>
+          <p:nvPr/>
+        </p:nvPicPr>
+        <p:blipFill rotWithShape="1">
+          <a:blip r:embed="rId2">
+            <a:extLst>
+              <a:ext uri="{28A0092B-C50C-407E-A947-70E740481C1C}">
+                <a14:useLocalDpi xmlns:a14="http://schemas.microsoft.com/office/drawing/2010/main" val="0"/>
+              </a:ext>
+            </a:extLst>
+          </a:blip>
+          <a:srcRect b="33458"/>
+          <a:stretch/>
+        </p:blipFill>
+        <p:spPr>
+          <a:xfrm>
+            <a:off x="1137681" y="2204864"/>
+            <a:ext cx="5182049" cy="2520280"/>
+          </a:xfrm>
+          <a:prstGeom prst="rect">
+            <a:avLst/>
+          </a:prstGeom>
+          <a:ln>
+            <a:solidFill>
+              <a:schemeClr val="bg1">
+                <a:lumMod val="85000"/>
+              </a:schemeClr>
+            </a:solidFill>
+          </a:ln>
+        </p:spPr>
+      </p:pic>
+      <p:sp>
+        <p:nvSpPr>
+          <p:cNvPr id="11" name="TextBox 10"/>
+          <p:cNvSpPr txBox="1"/>
+          <p:nvPr/>
+        </p:nvSpPr>
+        <p:spPr>
+          <a:xfrm>
+            <a:off x="920552" y="1484784"/>
+            <a:ext cx="6912769" cy="369332"/>
+          </a:xfrm>
+          <a:prstGeom prst="rect">
+            <a:avLst/>
+          </a:prstGeom>
+          <a:noFill/>
+        </p:spPr>
+        <p:txBody>
+          <a:bodyPr wrap="square" rtlCol="0">
+            <a:spAutoFit/>
+          </a:bodyPr>
+          <a:lstStyle/>
+          <a:p>
+            <a:r>
+              <a:rPr lang="en-US" altLang="ko-KR" dirty="0" smtClean="0"/>
+              <a:t>3. </a:t>
+            </a:r>
+            <a:r>
+              <a:rPr lang="ko-KR" altLang="en-US" dirty="0" smtClean="0"/>
+              <a:t>오라클 </a:t>
+            </a:r>
+            <a:r>
+              <a:rPr lang="en-US" altLang="ko-KR" dirty="0" smtClean="0"/>
+              <a:t>DB</a:t>
+            </a:r>
+            <a:r>
+              <a:rPr lang="ko-KR" altLang="en-US" dirty="0" smtClean="0"/>
+              <a:t>에 </a:t>
+            </a:r>
+            <a:r>
+              <a:rPr lang="en-US" altLang="ko-KR" dirty="0" err="1" smtClean="0"/>
+              <a:t>pytest</a:t>
+            </a:r>
+            <a:r>
+              <a:rPr lang="en-US" altLang="ko-KR" dirty="0" smtClean="0"/>
+              <a:t> </a:t>
+            </a:r>
+            <a:r>
+              <a:rPr lang="ko-KR" altLang="en-US" dirty="0" smtClean="0"/>
+              <a:t>테이블 생성하기</a:t>
+            </a:r>
+            <a:endParaRPr lang="ko-KR" altLang="en-US" dirty="0"/>
+          </a:p>
+        </p:txBody>
+      </p:sp>
+    </p:spTree>
+    <p:extLst>
+      <p:ext uri="{BB962C8B-B14F-4D97-AF65-F5344CB8AC3E}">
+        <p14:creationId xmlns:p14="http://schemas.microsoft.com/office/powerpoint/2010/main" val="1665510780"/>
+      </p:ext>
+    </p:extLst>
+  </p:cSld>
+  <p:clrMapOvr>
+    <a:masterClrMapping/>
+  </p:clrMapOvr>
+  <p:timing>
+    <p:tnLst>
+      <p:par>
+        <p:cTn id="1" dur="indefinite" restart="never" nodeType="tmRoot"/>
+      </p:par>
+    </p:tnLst>
+  </p:timing>
+</p:sld>
+</file>
+
+<file path=ppt/slides/slide31.xml><?xml version="1.0" encoding="utf-8"?>
+<p:sld xmlns:a="http://schemas.openxmlformats.org/drawingml/2006/main" xmlns:r="http://schemas.openxmlformats.org/officeDocument/2006/relationships" xmlns:p="http://schemas.openxmlformats.org/presentationml/2006/main">
+  <p:cSld>
+    <p:spTree>
+      <p:nvGrpSpPr>
+        <p:cNvPr id="1" name=""/>
+        <p:cNvGrpSpPr/>
+        <p:nvPr/>
+      </p:nvGrpSpPr>
+      <p:grpSpPr>
+        <a:xfrm>
+          <a:off x="0" y="0"/>
+          <a:ext cx="0" cy="0"/>
+          <a:chOff x="0" y="0"/>
+          <a:chExt cx="0" cy="0"/>
+        </a:xfrm>
+      </p:grpSpPr>
+      <p:pic>
+        <p:nvPicPr>
+          <p:cNvPr id="5" name="그림 4"/>
+          <p:cNvPicPr>
+            <a:picLocks noChangeAspect="1"/>
+          </p:cNvPicPr>
+          <p:nvPr/>
+        </p:nvPicPr>
+        <p:blipFill>
+          <a:blip r:embed="rId2">
+            <a:extLst>
+              <a:ext uri="{28A0092B-C50C-407E-A947-70E740481C1C}">
+                <a14:useLocalDpi xmlns:a14="http://schemas.microsoft.com/office/drawing/2010/main" val="0"/>
+              </a:ext>
+            </a:extLst>
+          </a:blip>
+          <a:stretch>
+            <a:fillRect/>
+          </a:stretch>
+        </p:blipFill>
+        <p:spPr>
+          <a:xfrm>
+            <a:off x="992560" y="1484784"/>
+            <a:ext cx="6904318" cy="4275190"/>
+          </a:xfrm>
+          <a:prstGeom prst="rect">
+            <a:avLst/>
+          </a:prstGeom>
+          <a:ln>
+            <a:solidFill>
+              <a:schemeClr val="bg1">
+                <a:lumMod val="85000"/>
+              </a:schemeClr>
+            </a:solidFill>
+          </a:ln>
+        </p:spPr>
+      </p:pic>
+      <p:sp>
+        <p:nvSpPr>
+          <p:cNvPr id="2" name="제목 1"/>
+          <p:cNvSpPr>
+            <a:spLocks noGrp="1"/>
+          </p:cNvSpPr>
+          <p:nvPr>
+            <p:ph type="title"/>
+          </p:nvPr>
+        </p:nvSpPr>
+        <p:spPr/>
+        <p:txBody>
+          <a:bodyPr/>
+          <a:lstStyle/>
+          <a:p>
+            <a:r>
+              <a:rPr lang="en-US" altLang="ko-KR" dirty="0" smtClean="0"/>
+              <a:t> </a:t>
+            </a:r>
+            <a:r>
+              <a:rPr lang="ko-KR" altLang="en-US" dirty="0" err="1" smtClean="0"/>
+              <a:t>오라클</a:t>
+            </a:r>
+            <a:r>
+              <a:rPr lang="ko-KR" altLang="en-US" dirty="0" smtClean="0"/>
+              <a:t> 연동</a:t>
+            </a:r>
+            <a:endParaRPr lang="ko-KR" altLang="en-US" dirty="0"/>
+          </a:p>
+        </p:txBody>
+      </p:sp>
+      <p:sp>
+        <p:nvSpPr>
+          <p:cNvPr id="4" name="슬라이드 번호 개체 틀 3"/>
+          <p:cNvSpPr>
+            <a:spLocks noGrp="1"/>
+          </p:cNvSpPr>
+          <p:nvPr>
+            <p:ph type="sldNum" sz="quarter" idx="12"/>
+          </p:nvPr>
+        </p:nvSpPr>
+        <p:spPr/>
+        <p:txBody>
+          <a:bodyPr/>
+          <a:lstStyle/>
+          <a:p>
+            <a:fld id="{1BDE3FE7-3AEA-4B05-AC5A-802D1816ACF0}" type="slidenum">
+              <a:rPr lang="ko-KR" altLang="en-US" smtClean="0"/>
+              <a:t>31</a:t>
+            </a:fld>
+            <a:endParaRPr lang="ko-KR" altLang="en-US"/>
+          </a:p>
+        </p:txBody>
+      </p:sp>
+      <p:pic>
+        <p:nvPicPr>
+          <p:cNvPr id="6" name="그림 5"/>
+          <p:cNvPicPr>
+            <a:picLocks noChangeAspect="1"/>
+          </p:cNvPicPr>
+          <p:nvPr/>
+        </p:nvPicPr>
+        <p:blipFill>
+          <a:blip r:embed="rId3">
+            <a:extLst>
+              <a:ext uri="{28A0092B-C50C-407E-A947-70E740481C1C}">
+                <a14:useLocalDpi xmlns:a14="http://schemas.microsoft.com/office/drawing/2010/main" val="0"/>
+              </a:ext>
+            </a:extLst>
+          </a:blip>
+          <a:stretch>
+            <a:fillRect/>
+          </a:stretch>
+        </p:blipFill>
+        <p:spPr>
+          <a:xfrm>
+            <a:off x="5313040" y="4077072"/>
+            <a:ext cx="4097660" cy="1039575"/>
+          </a:xfrm>
+          <a:prstGeom prst="rect">
+            <a:avLst/>
+          </a:prstGeom>
+          <a:ln>
+            <a:solidFill>
+              <a:schemeClr val="bg1">
+                <a:lumMod val="85000"/>
+              </a:schemeClr>
+            </a:solidFill>
+          </a:ln>
+        </p:spPr>
+      </p:pic>
+      <p:sp>
+        <p:nvSpPr>
+          <p:cNvPr id="7" name="TextBox 6"/>
+          <p:cNvSpPr txBox="1"/>
+          <p:nvPr/>
+        </p:nvSpPr>
+        <p:spPr>
+          <a:xfrm>
+            <a:off x="7041232" y="1844824"/>
+            <a:ext cx="2232248" cy="369332"/>
+          </a:xfrm>
+          <a:prstGeom prst="rect">
+            <a:avLst/>
+          </a:prstGeom>
+          <a:noFill/>
+        </p:spPr>
+        <p:txBody>
+          <a:bodyPr wrap="square" rtlCol="0">
+            <a:spAutoFit/>
+          </a:bodyPr>
+          <a:lstStyle/>
+          <a:p>
+            <a:r>
+              <a:rPr lang="en-US" altLang="ko-KR" dirty="0"/>
+              <a:t>o</a:t>
+            </a:r>
+            <a:r>
+              <a:rPr lang="en-US" altLang="ko-KR" dirty="0" smtClean="0"/>
+              <a:t>racle_connect.py</a:t>
+            </a:r>
+            <a:endParaRPr lang="ko-KR" altLang="en-US" dirty="0"/>
+          </a:p>
+        </p:txBody>
+      </p:sp>
+    </p:spTree>
+    <p:extLst>
+      <p:ext uri="{BB962C8B-B14F-4D97-AF65-F5344CB8AC3E}">
+        <p14:creationId xmlns:p14="http://schemas.microsoft.com/office/powerpoint/2010/main" val="1969331347"/>
+      </p:ext>
+    </p:extLst>
+  </p:cSld>
+  <p:clrMapOvr>
+    <a:masterClrMapping/>
+  </p:clrMapOvr>
+  <p:timing>
+    <p:tnLst>
+      <p:par>
+        <p:cTn id="1" dur="indefinite" restart="never" nodeType="tmRoot"/>
+      </p:par>
+    </p:tnLst>
+  </p:timing>
+</p:sld>
+</file>
+
+<file path=ppt/slides/slide32.xml><?xml version="1.0" encoding="utf-8"?>
+<p:sld xmlns:a="http://schemas.openxmlformats.org/drawingml/2006/main" xmlns:r="http://schemas.openxmlformats.org/officeDocument/2006/relationships" xmlns:p="http://schemas.openxmlformats.org/presentationml/2006/main">
+  <p:cSld>
+    <p:spTree>
+      <p:nvGrpSpPr>
+        <p:cNvPr id="1" name=""/>
+        <p:cNvGrpSpPr/>
+        <p:nvPr/>
+      </p:nvGrpSpPr>
+      <p:grpSpPr>
+        <a:xfrm>
+          <a:off x="0" y="0"/>
+          <a:ext cx="0" cy="0"/>
+          <a:chOff x="0" y="0"/>
+          <a:chExt cx="0" cy="0"/>
+        </a:xfrm>
+      </p:grpSpPr>
+      <p:sp>
+        <p:nvSpPr>
+          <p:cNvPr id="2" name="제목 1"/>
+          <p:cNvSpPr>
+            <a:spLocks noGrp="1"/>
+          </p:cNvSpPr>
+          <p:nvPr>
+            <p:ph type="title"/>
+          </p:nvPr>
+        </p:nvSpPr>
+        <p:spPr/>
+        <p:txBody>
+          <a:bodyPr/>
+          <a:lstStyle/>
+          <a:p>
+            <a:r>
+              <a:rPr lang="en-US" altLang="ko-KR" dirty="0" smtClean="0"/>
+              <a:t> </a:t>
+            </a:r>
+            <a:r>
+              <a:rPr lang="ko-KR" altLang="en-US" dirty="0" err="1" smtClean="0"/>
+              <a:t>오라클</a:t>
+            </a:r>
+            <a:r>
+              <a:rPr lang="ko-KR" altLang="en-US" dirty="0" smtClean="0"/>
+              <a:t> 연동</a:t>
+            </a:r>
+            <a:endParaRPr lang="ko-KR" altLang="en-US" dirty="0"/>
+          </a:p>
+        </p:txBody>
+      </p:sp>
+      <p:sp>
+        <p:nvSpPr>
+          <p:cNvPr id="4" name="슬라이드 번호 개체 틀 3"/>
+          <p:cNvSpPr>
+            <a:spLocks noGrp="1"/>
+          </p:cNvSpPr>
+          <p:nvPr>
+            <p:ph type="sldNum" sz="quarter" idx="12"/>
+          </p:nvPr>
+        </p:nvSpPr>
+        <p:spPr/>
+        <p:txBody>
+          <a:bodyPr/>
+          <a:lstStyle/>
+          <a:p>
+            <a:fld id="{1BDE3FE7-3AEA-4B05-AC5A-802D1816ACF0}" type="slidenum">
+              <a:rPr lang="ko-KR" altLang="en-US" smtClean="0"/>
+              <a:t>32</a:t>
+            </a:fld>
+            <a:endParaRPr lang="ko-KR" altLang="en-US"/>
+          </a:p>
+        </p:txBody>
+      </p:sp>
+      <p:pic>
+        <p:nvPicPr>
+          <p:cNvPr id="5" name="그림 4"/>
+          <p:cNvPicPr>
+            <a:picLocks noChangeAspect="1"/>
+          </p:cNvPicPr>
+          <p:nvPr/>
+        </p:nvPicPr>
+        <p:blipFill>
+          <a:blip r:embed="rId2">
+            <a:extLst>
+              <a:ext uri="{28A0092B-C50C-407E-A947-70E740481C1C}">
+                <a14:useLocalDpi xmlns:a14="http://schemas.microsoft.com/office/drawing/2010/main" val="0"/>
+              </a:ext>
+            </a:extLst>
+          </a:blip>
+          <a:stretch>
+            <a:fillRect/>
+          </a:stretch>
+        </p:blipFill>
+        <p:spPr>
+          <a:xfrm>
+            <a:off x="1208584" y="1556792"/>
+            <a:ext cx="6530906" cy="3101609"/>
+          </a:xfrm>
+          <a:prstGeom prst="rect">
+            <a:avLst/>
+          </a:prstGeom>
+          <a:ln>
+            <a:solidFill>
+              <a:schemeClr val="bg1">
+                <a:lumMod val="85000"/>
+              </a:schemeClr>
+            </a:solidFill>
+          </a:ln>
+        </p:spPr>
+      </p:pic>
+    </p:spTree>
+    <p:extLst>
+      <p:ext uri="{BB962C8B-B14F-4D97-AF65-F5344CB8AC3E}">
+        <p14:creationId xmlns:p14="http://schemas.microsoft.com/office/powerpoint/2010/main" val="3748164537"/>
       </p:ext>
     </p:extLst>
   </p:cSld>

--- a/python_ppt/Python 9장. 데이터베이스 연동.pptx
+++ b/python_ppt/Python 9장. 데이터베이스 연동.pptx
@@ -239,7 +239,7 @@
           <a:p>
             <a:fld id="{7665CDAC-D627-4E87-877A-1B781DD4CADC}" type="datetimeFigureOut">
               <a:rPr lang="ko-KR" altLang="en-US" smtClean="0"/>
-              <a:t>2023-04-29</a:t>
+              <a:t>2023-05-02</a:t>
             </a:fld>
             <a:endParaRPr lang="ko-KR" altLang="en-US"/>
           </a:p>
@@ -651,7 +651,7 @@
           <a:p>
             <a:fld id="{C25BCFD5-C4DF-4EBC-B718-C69ED2FBDE6F}" type="datetime1">
               <a:rPr lang="ko-KR" altLang="en-US" smtClean="0"/>
-              <a:t>2023-04-29</a:t>
+              <a:t>2023-05-02</a:t>
             </a:fld>
             <a:endParaRPr lang="ko-KR" altLang="en-US"/>
           </a:p>
@@ -1102,7 +1102,7 @@
           <a:p>
             <a:fld id="{AB448CD7-D367-43D5-B461-ACE552E75063}" type="datetime1">
               <a:rPr lang="ko-KR" altLang="en-US" smtClean="0"/>
-              <a:t>2023-04-29</a:t>
+              <a:t>2023-05-02</a:t>
             </a:fld>
             <a:endParaRPr lang="ko-KR" altLang="en-US"/>
           </a:p>
@@ -1280,7 +1280,7 @@
           <a:p>
             <a:fld id="{B6E49E79-7361-4780-8BEF-7EDE3708298A}" type="datetime1">
               <a:rPr lang="ko-KR" altLang="en-US" smtClean="0"/>
-              <a:t>2023-04-29</a:t>
+              <a:t>2023-05-02</a:t>
             </a:fld>
             <a:endParaRPr lang="ko-KR" altLang="en-US"/>
           </a:p>
@@ -1452,7 +1452,7 @@
           <a:p>
             <a:fld id="{A4D42E3C-B70B-437C-85CF-1286301B9CBA}" type="datetime1">
               <a:rPr lang="ko-KR" altLang="en-US" smtClean="0"/>
-              <a:t>2023-04-29</a:t>
+              <a:t>2023-05-02</a:t>
             </a:fld>
             <a:endParaRPr lang="ko-KR" altLang="en-US"/>
           </a:p>
@@ -1704,7 +1704,7 @@
           <a:p>
             <a:fld id="{B3369A20-5B3D-4D98-A822-26B93D177A40}" type="datetime1">
               <a:rPr lang="ko-KR" altLang="en-US" smtClean="0"/>
-              <a:t>2023-04-29</a:t>
+              <a:t>2023-05-02</a:t>
             </a:fld>
             <a:endParaRPr lang="ko-KR" altLang="en-US"/>
           </a:p>
@@ -1989,7 +1989,7 @@
           <a:p>
             <a:fld id="{685CD4CE-9E43-4F70-A9D8-A2130CA7D92A}" type="datetime1">
               <a:rPr lang="ko-KR" altLang="en-US" smtClean="0"/>
-              <a:t>2023-04-29</a:t>
+              <a:t>2023-05-02</a:t>
             </a:fld>
             <a:endParaRPr lang="ko-KR" altLang="en-US"/>
           </a:p>
@@ -2415,7 +2415,7 @@
           <a:p>
             <a:fld id="{F752BD92-DA3E-4A0B-90C9-7DE5E15B6E96}" type="datetime1">
               <a:rPr lang="ko-KR" altLang="en-US" smtClean="0"/>
-              <a:t>2023-04-29</a:t>
+              <a:t>2023-05-02</a:t>
             </a:fld>
             <a:endParaRPr lang="ko-KR" altLang="en-US"/>
           </a:p>
@@ -2539,7 +2539,7 @@
           <a:p>
             <a:fld id="{8EA2B83A-F366-424E-B742-340ACF856BB5}" type="datetime1">
               <a:rPr lang="ko-KR" altLang="en-US" smtClean="0"/>
-              <a:t>2023-04-29</a:t>
+              <a:t>2023-05-02</a:t>
             </a:fld>
             <a:endParaRPr lang="ko-KR" altLang="en-US"/>
           </a:p>
@@ -2634,7 +2634,7 @@
           <a:p>
             <a:fld id="{9A49D68B-5DBD-48E9-A8D4-FCBC4B3DD9C6}" type="datetime1">
               <a:rPr lang="ko-KR" altLang="en-US" smtClean="0"/>
-              <a:t>2023-04-29</a:t>
+              <a:t>2023-05-02</a:t>
             </a:fld>
             <a:endParaRPr lang="ko-KR" altLang="en-US"/>
           </a:p>
@@ -2909,7 +2909,7 @@
           <a:p>
             <a:fld id="{4CAB534F-7D16-467B-9320-91F98915D181}" type="datetime1">
               <a:rPr lang="ko-KR" altLang="en-US" smtClean="0"/>
-              <a:t>2023-04-29</a:t>
+              <a:t>2023-05-02</a:t>
             </a:fld>
             <a:endParaRPr lang="ko-KR" altLang="en-US"/>
           </a:p>
@@ -3161,7 +3161,7 @@
           <a:p>
             <a:fld id="{A390A91F-2F8D-4486-A69D-D680F95444B0}" type="datetime1">
               <a:rPr lang="ko-KR" altLang="en-US" smtClean="0"/>
-              <a:t>2023-04-29</a:t>
+              <a:t>2023-05-02</a:t>
             </a:fld>
             <a:endParaRPr lang="ko-KR" altLang="en-US"/>
           </a:p>
@@ -3340,7 +3340,7 @@
           <a:p>
             <a:fld id="{2238BBEA-E8DD-414A-BF68-FC2AFA7CFF2D}" type="datetime1">
               <a:rPr lang="ko-KR" altLang="en-US" smtClean="0"/>
-              <a:t>2023-04-29</a:t>
+              <a:t>2023-05-02</a:t>
             </a:fld>
             <a:endParaRPr lang="ko-KR" altLang="en-US"/>
           </a:p>
@@ -9825,7 +9825,7 @@
         </p:nvSpPr>
         <p:spPr>
           <a:xfrm>
-            <a:off x="1280592" y="1700808"/>
+            <a:off x="1280592" y="1907540"/>
             <a:ext cx="5256584" cy="369332"/>
           </a:xfrm>
           <a:prstGeom prst="rect">
@@ -9841,19 +9841,15 @@
           <a:p>
             <a:r>
               <a:rPr lang="en-US" altLang="ko-KR" dirty="0" smtClean="0"/>
-              <a:t> python </a:t>
-            </a:r>
-            <a:r>
-              <a:rPr lang="en-US" altLang="ko-KR" dirty="0"/>
-              <a:t>-m pip install </a:t>
-            </a:r>
-            <a:r>
-              <a:rPr lang="en-US" altLang="ko-KR" dirty="0" err="1"/>
-              <a:t>cx_Oracle</a:t>
-            </a:r>
-            <a:r>
-              <a:rPr lang="en-US" altLang="ko-KR" dirty="0"/>
-              <a:t> --upgrade</a:t>
+              <a:t> </a:t>
+            </a:r>
+            <a:r>
+              <a:rPr lang="en-US" altLang="ko-KR" dirty="0" smtClean="0"/>
+              <a:t>pip install </a:t>
+            </a:r>
+            <a:r>
+              <a:rPr lang="en-US" altLang="ko-KR" dirty="0" err="1" smtClean="0"/>
+              <a:t>oracledb</a:t>
             </a:r>
             <a:endParaRPr lang="ko-KR" altLang="en-US" dirty="0"/>
           </a:p>
@@ -9867,7 +9863,7 @@
         </p:nvSpPr>
         <p:spPr>
           <a:xfrm>
-            <a:off x="1064568" y="1196752"/>
+            <a:off x="1064568" y="1403484"/>
             <a:ext cx="4320480" cy="369332"/>
           </a:xfrm>
           <a:prstGeom prst="rect">
@@ -9887,46 +9883,20 @@
             </a:r>
             <a:r>
               <a:rPr lang="en-US" altLang="ko-KR" dirty="0" err="1" smtClean="0"/>
-              <a:t>cx_Oracle</a:t>
+              <a:t>oracledb</a:t>
             </a:r>
             <a:r>
               <a:rPr lang="ko-KR" altLang="en-US" dirty="0" smtClean="0"/>
-              <a:t> 라이브러리 설치</a:t>
+              <a:t> </a:t>
+            </a:r>
+            <a:r>
+              <a:rPr lang="ko-KR" altLang="en-US" dirty="0" smtClean="0"/>
+              <a:t>라이브러리 설치</a:t>
             </a:r>
             <a:endParaRPr lang="ko-KR" altLang="en-US" dirty="0"/>
           </a:p>
         </p:txBody>
       </p:sp>
-      <p:pic>
-        <p:nvPicPr>
-          <p:cNvPr id="6" name="그림 5"/>
-          <p:cNvPicPr>
-            <a:picLocks noChangeAspect="1"/>
-          </p:cNvPicPr>
-          <p:nvPr/>
-        </p:nvPicPr>
-        <p:blipFill>
-          <a:blip r:embed="rId2">
-            <a:extLst>
-              <a:ext uri="{28A0092B-C50C-407E-A947-70E740481C1C}">
-                <a14:useLocalDpi xmlns:a14="http://schemas.microsoft.com/office/drawing/2010/main" val="0"/>
-              </a:ext>
-            </a:extLst>
-          </a:blip>
-          <a:stretch>
-            <a:fillRect/>
-          </a:stretch>
-        </p:blipFill>
-        <p:spPr>
-          <a:xfrm>
-            <a:off x="1551998" y="2806842"/>
-            <a:ext cx="5417226" cy="3842716"/>
-          </a:xfrm>
-          <a:prstGeom prst="rect">
-            <a:avLst/>
-          </a:prstGeom>
-        </p:spPr>
-      </p:pic>
       <p:sp>
         <p:nvSpPr>
           <p:cNvPr id="10" name="TextBox 9"/>
@@ -9935,7 +9905,7 @@
         </p:nvSpPr>
         <p:spPr>
           <a:xfrm>
-            <a:off x="1064567" y="2293494"/>
+            <a:off x="1064567" y="2636912"/>
             <a:ext cx="6912769" cy="369332"/>
           </a:xfrm>
           <a:prstGeom prst="rect">
@@ -9987,7 +9957,7 @@
             </a:r>
             <a:r>
               <a:rPr lang="en-US" altLang="ko-KR" dirty="0" err="1" smtClean="0"/>
-              <a:t>cx_Oracle</a:t>
+              <a:t>oracledb</a:t>
             </a:r>
             <a:r>
               <a:rPr lang="en-US" altLang="ko-KR" dirty="0" smtClean="0"/>
@@ -10467,7 +10437,7 @@
       </p:grpSpPr>
       <p:pic>
         <p:nvPicPr>
-          <p:cNvPr id="5" name="그림 4"/>
+          <p:cNvPr id="3" name="그림 2"/>
           <p:cNvPicPr>
             <a:picLocks noChangeAspect="1"/>
           </p:cNvPicPr>
@@ -10487,8 +10457,8 @@
         </p:blipFill>
         <p:spPr>
           <a:xfrm>
-            <a:off x="992560" y="1484784"/>
-            <a:ext cx="6904318" cy="4275190"/>
+            <a:off x="1352600" y="1412776"/>
+            <a:ext cx="6294665" cy="4663844"/>
           </a:xfrm>
           <a:prstGeom prst="rect">
             <a:avLst/>
@@ -10601,7 +10571,7 @@
         </p:nvSpPr>
         <p:spPr>
           <a:xfrm>
-            <a:off x="7041232" y="1844824"/>
+            <a:off x="6899818" y="1628800"/>
             <a:ext cx="2232248" cy="369332"/>
           </a:xfrm>
           <a:prstGeom prst="rect">
